--- a/powerpoint/Session1.pptx
+++ b/powerpoint/Session1.pptx
@@ -44978,7 +44978,7 @@
             </a:r>
           </a:p>
           <a:p>
-            <a:pPr marL="1080">
+            <a:pPr marL="285840" indent="-284760">
               <a:lnSpc>
                 <a:spcPct val="100000"/>
               </a:lnSpc>
@@ -44992,26 +44992,30 @@
                 <a:srgbClr val="000000"/>
               </a:buClr>
               <a:buSzPct val="80000"/>
+              <a:buFont typeface="Arial"/>
+              <a:buChar char="•"/>
             </a:pPr>
             <a:r>
-              <a:rPr lang="en-US" sz="3600" spc="-1" dirty="0">
+              <a:rPr lang="en-US" sz="3600" b="0" strike="noStrike" spc="-1" dirty="0">
                 <a:solidFill>
                   <a:srgbClr val="000000"/>
                 </a:solidFill>
                 <a:latin typeface="Calibri"/>
+                <a:ea typeface="DejaVu Sans"/>
                 <a:hlinkClick r:id="rId2"/>
               </a:rPr>
-              <a:t>git@github.com:CristiSoitu/MSD_R_course_HT2025-main.git</a:t>
+              <a:t>https://github.com/BeaGM84/MSD_R_course_HT2025-2</a:t>
             </a:r>
-            <a:endParaRPr lang="en-US" sz="3600" spc="-1" dirty="0">
+            <a:endParaRPr lang="en-US" sz="3600" b="0" strike="noStrike" spc="-1" dirty="0">
               <a:solidFill>
                 <a:srgbClr val="000000"/>
               </a:solidFill>
               <a:latin typeface="Calibri"/>
+              <a:ea typeface="DejaVu Sans"/>
             </a:endParaRPr>
           </a:p>
           <a:p>
-            <a:pPr marL="1080">
+            <a:pPr marL="285840" indent="-284760">
               <a:lnSpc>
                 <a:spcPct val="100000"/>
               </a:lnSpc>
@@ -45025,6 +45029,8 @@
                 <a:srgbClr val="000000"/>
               </a:buClr>
               <a:buSzPct val="80000"/>
+              <a:buFont typeface="Arial"/>
+              <a:buChar char="•"/>
             </a:pPr>
             <a:r>
               <a:rPr lang="en-US" sz="3600" b="0" strike="noStrike" spc="-1" dirty="0">
